--- a/mid-term.pptx
+++ b/mid-term.pptx
@@ -126,7 +126,7 @@
   </p:defaultTextStyle>
   <p:extLst>
     <p:ext uri="{EFAFB233-063F-42B5-8137-9DF3F51BA10A}">
-      <p15:sldGuideLst xmlns:p15="http://schemas.microsoft.com/office/powerpoint/2012/main">
+      <p15:sldGuideLst xmlns:p15="http://schemas.microsoft.com/office/powerpoint/2012/main" xmlns="">
         <p15:guide id="1" orient="horz" pos="2160" userDrawn="1">
           <p15:clr>
             <a:srgbClr val="A4A3A4"/>
@@ -14956,7 +14956,7 @@
               <a:buSzPct val="115000"/>
               <a:buFontTx/>
               <a:buBlip>
-                <a:blip r:embed="rId3"/>
+                <a:blip r:embed="rId2"/>
               </a:buBlip>
               <a:defRPr sz="2400" kern="1200" cap="none">
                 <a:solidFill>
@@ -14988,7 +14988,7 @@
               <a:buSzPct val="115000"/>
               <a:buFontTx/>
               <a:buBlip>
-                <a:blip r:embed="rId3"/>
+                <a:blip r:embed="rId2"/>
               </a:buBlip>
               <a:defRPr sz="2400" kern="1200" cap="none">
                 <a:solidFill>
@@ -15020,7 +15020,7 @@
               <a:buSzPct val="115000"/>
               <a:buFontTx/>
               <a:buBlip>
-                <a:blip r:embed="rId3"/>
+                <a:blip r:embed="rId2"/>
               </a:buBlip>
               <a:defRPr sz="2400" kern="1200" cap="none">
                 <a:solidFill>
@@ -15052,7 +15052,7 @@
               <a:buSzPct val="115000"/>
               <a:buFontTx/>
               <a:buBlip>
-                <a:blip r:embed="rId3"/>
+                <a:blip r:embed="rId2"/>
               </a:buBlip>
               <a:defRPr sz="2400" kern="1200" cap="none">
                 <a:solidFill>
@@ -15084,7 +15084,7 @@
               <a:buSzPct val="115000"/>
               <a:buFontTx/>
               <a:buBlip>
-                <a:blip r:embed="rId3"/>
+                <a:blip r:embed="rId2"/>
               </a:buBlip>
               <a:defRPr sz="2400" kern="1200" cap="none">
                 <a:solidFill>
@@ -15455,7 +15455,7 @@
     </a:clrScheme>
     <a:fontScheme name="有機">
       <a:majorFont>
-        <a:latin typeface="Garamond" panose="02020404030301010803"/>
+        <a:latin typeface="Garamond"/>
         <a:ea typeface=""/>
         <a:cs typeface=""/>
         <a:font script="Jpan" typeface="ＭＳ Ｐゴシック"/>
@@ -15490,7 +15490,7 @@
         <a:font script="Geor" typeface="Sylfaen"/>
       </a:majorFont>
       <a:minorFont>
-        <a:latin typeface="Garamond" panose="02020404030301010803"/>
+        <a:latin typeface="Garamond"/>
         <a:ea typeface=""/>
         <a:cs typeface=""/>
         <a:font script="Jpan" typeface="ＭＳ Ｐ明朝"/>
@@ -15639,7 +15639,7 @@
   <a:extraClrSchemeLst/>
   <a:extLst>
     <a:ext uri="{05A4C25C-085E-4340-85A3-A5531E510DB2}">
-      <thm15:themeFamily xmlns:thm15="http://schemas.microsoft.com/office/thememl/2012/main" name="Organic" id="{28CDC826-8792-45C0-861B-85EB3ADEDA33}" vid="{7DAC20F1-423D-49E2-BD0B-50532748BAD0}"/>
+      <thm15:themeFamily xmlns:thm15="http://schemas.microsoft.com/office/thememl/2012/main" xmlns="" name="Organic" id="{28CDC826-8792-45C0-861B-85EB3ADEDA33}" vid="{7DAC20F1-423D-49E2-BD0B-50532748BAD0}"/>
     </a:ext>
   </a:extLst>
 </a:theme>
@@ -15688,7 +15688,7 @@
     </a:clrScheme>
     <a:fontScheme name="Office">
       <a:majorFont>
-        <a:latin typeface="Calibri Light" panose="020F0302020204030204"/>
+        <a:latin typeface="Calibri Light"/>
         <a:ea typeface=""/>
         <a:cs typeface=""/>
         <a:font script="Jpan" typeface="Yu Gothic Light"/>
@@ -15723,7 +15723,7 @@
         <a:font script="Geor" typeface="Sylfaen"/>
       </a:majorFont>
       <a:minorFont>
-        <a:latin typeface="Calibri" panose="020F0502020204030204"/>
+        <a:latin typeface="Calibri"/>
         <a:ea typeface=""/>
         <a:cs typeface=""/>
         <a:font script="Jpan" typeface="Yu Gothic"/>
@@ -15900,94 +15900,8 @@
   <a:extraClrSchemeLst/>
   <a:extLst>
     <a:ext uri="{05A4C25C-085E-4340-85A3-A5531E510DB2}">
-      <thm15:themeFamily xmlns:thm15="http://schemas.microsoft.com/office/thememl/2012/main" name="Office Theme" id="{62F939B6-93AF-4DB8-9C6B-D6C7DFDC589F}" vid="{4A3C46E8-61CC-4603-A589-7422A47A8E4A}"/>
+      <thm15:themeFamily xmlns:thm15="http://schemas.microsoft.com/office/thememl/2012/main" xmlns="" name="Office Theme" id="{62F939B6-93AF-4DB8-9C6B-D6C7DFDC589F}" vid="{4A3C46E8-61CC-4603-A589-7422A47A8E4A}"/>
     </a:ext>
   </a:extLst>
 </a:theme>
-</file>
-
-<file path=ppt/theme/themeOverride1.xml><?xml version="1.0" encoding="utf-8"?>
-<a:themeOverride xmlns:a="http://schemas.openxmlformats.org/drawingml/2006/main">
-  <a:clrScheme name="有機">
-    <a:dk1>
-      <a:sysClr val="windowText" lastClr="000000"/>
-    </a:dk1>
-    <a:lt1>
-      <a:sysClr val="window" lastClr="FFFFFF"/>
-    </a:lt1>
-    <a:dk2>
-      <a:srgbClr val="212121"/>
-    </a:dk2>
-    <a:lt2>
-      <a:srgbClr val="DADADA"/>
-    </a:lt2>
-    <a:accent1>
-      <a:srgbClr val="83992A"/>
-    </a:accent1>
-    <a:accent2>
-      <a:srgbClr val="3C9770"/>
-    </a:accent2>
-    <a:accent3>
-      <a:srgbClr val="44709D"/>
-    </a:accent3>
-    <a:accent4>
-      <a:srgbClr val="A23C33"/>
-    </a:accent4>
-    <a:accent5>
-      <a:srgbClr val="D97828"/>
-    </a:accent5>
-    <a:accent6>
-      <a:srgbClr val="DEB340"/>
-    </a:accent6>
-    <a:hlink>
-      <a:srgbClr val="A8BF4D"/>
-    </a:hlink>
-    <a:folHlink>
-      <a:srgbClr val="B4CA80"/>
-    </a:folHlink>
-  </a:clrScheme>
-</a:themeOverride>
-</file>
-
-<file path=ppt/theme/themeOverride2.xml><?xml version="1.0" encoding="utf-8"?>
-<a:themeOverride xmlns:a="http://schemas.openxmlformats.org/drawingml/2006/main">
-  <a:clrScheme name="有機">
-    <a:dk1>
-      <a:sysClr val="windowText" lastClr="000000"/>
-    </a:dk1>
-    <a:lt1>
-      <a:sysClr val="window" lastClr="FFFFFF"/>
-    </a:lt1>
-    <a:dk2>
-      <a:srgbClr val="212121"/>
-    </a:dk2>
-    <a:lt2>
-      <a:srgbClr val="DADADA"/>
-    </a:lt2>
-    <a:accent1>
-      <a:srgbClr val="83992A"/>
-    </a:accent1>
-    <a:accent2>
-      <a:srgbClr val="3C9770"/>
-    </a:accent2>
-    <a:accent3>
-      <a:srgbClr val="44709D"/>
-    </a:accent3>
-    <a:accent4>
-      <a:srgbClr val="A23C33"/>
-    </a:accent4>
-    <a:accent5>
-      <a:srgbClr val="D97828"/>
-    </a:accent5>
-    <a:accent6>
-      <a:srgbClr val="DEB340"/>
-    </a:accent6>
-    <a:hlink>
-      <a:srgbClr val="A8BF4D"/>
-    </a:hlink>
-    <a:folHlink>
-      <a:srgbClr val="B4CA80"/>
-    </a:folHlink>
-  </a:clrScheme>
-</a:themeOverride>
 </file>
--- a/mid-term.pptx
+++ b/mid-term.pptx
@@ -126,7 +126,7 @@
   </p:defaultTextStyle>
   <p:extLst>
     <p:ext uri="{EFAFB233-063F-42B5-8137-9DF3F51BA10A}">
-      <p15:sldGuideLst xmlns:p15="http://schemas.microsoft.com/office/powerpoint/2012/main" xmlns="">
+      <p15:sldGuideLst xmlns="" xmlns:p15="http://schemas.microsoft.com/office/powerpoint/2012/main">
         <p15:guide id="1" orient="horz" pos="2160" userDrawn="1">
           <p15:clr>
             <a:srgbClr val="A4A3A4"/>
@@ -12293,6 +12293,57 @@
           </a:p>
         </p:txBody>
       </p:sp>
+      <p:sp>
+        <p:nvSpPr>
+          <p:cNvPr id="2" name="文字方塊 1"/>
+          <p:cNvSpPr txBox="1"/>
+          <p:nvPr/>
+        </p:nvSpPr>
+        <p:spPr>
+          <a:xfrm>
+            <a:off x="3065993" y="4139238"/>
+            <a:ext cx="5850512" cy="646331"/>
+          </a:xfrm>
+          <a:prstGeom prst="rect">
+            <a:avLst/>
+          </a:prstGeom>
+          <a:noFill/>
+        </p:spPr>
+        <p:txBody>
+          <a:bodyPr wrap="none" rtlCol="0">
+            <a:spAutoFit/>
+          </a:bodyPr>
+          <a:lstStyle/>
+          <a:p>
+            <a:r>
+              <a:rPr lang="en-US" altLang="zh-TW" dirty="0">
+                <a:latin typeface="+mj-ea"/>
+                <a:ea typeface="+mj-ea"/>
+                <a:hlinkClick r:id="rId2"/>
+              </a:rPr>
+              <a:t>https://</a:t>
+            </a:r>
+            <a:r>
+              <a:rPr lang="en-US" altLang="zh-TW" dirty="0" smtClean="0">
+                <a:latin typeface="+mj-ea"/>
+                <a:ea typeface="+mj-ea"/>
+                <a:hlinkClick r:id="rId2"/>
+              </a:rPr>
+              <a:t>ellen914.github.io/mid-term/mid/home.html</a:t>
+            </a:r>
+            <a:endParaRPr lang="en-US" altLang="zh-TW" dirty="0" smtClean="0">
+              <a:latin typeface="+mj-ea"/>
+              <a:ea typeface="+mj-ea"/>
+            </a:endParaRPr>
+          </a:p>
+          <a:p>
+            <a:endParaRPr lang="zh-TW" altLang="en-US" dirty="0">
+              <a:latin typeface="+mj-ea"/>
+              <a:ea typeface="+mj-ea"/>
+            </a:endParaRPr>
+          </a:p>
+        </p:txBody>
+      </p:sp>
     </p:spTree>
     <p:extLst>
       <p:ext uri="{BB962C8B-B14F-4D97-AF65-F5344CB8AC3E}">
@@ -15639,7 +15690,7 @@
   <a:extraClrSchemeLst/>
   <a:extLst>
     <a:ext uri="{05A4C25C-085E-4340-85A3-A5531E510DB2}">
-      <thm15:themeFamily xmlns:thm15="http://schemas.microsoft.com/office/thememl/2012/main" xmlns="" name="Organic" id="{28CDC826-8792-45C0-861B-85EB3ADEDA33}" vid="{7DAC20F1-423D-49E2-BD0B-50532748BAD0}"/>
+      <thm15:themeFamily xmlns="" xmlns:thm15="http://schemas.microsoft.com/office/thememl/2012/main" name="Organic" id="{28CDC826-8792-45C0-861B-85EB3ADEDA33}" vid="{7DAC20F1-423D-49E2-BD0B-50532748BAD0}"/>
     </a:ext>
   </a:extLst>
 </a:theme>
@@ -15900,7 +15951,7 @@
   <a:extraClrSchemeLst/>
   <a:extLst>
     <a:ext uri="{05A4C25C-085E-4340-85A3-A5531E510DB2}">
-      <thm15:themeFamily xmlns:thm15="http://schemas.microsoft.com/office/thememl/2012/main" xmlns="" name="Office Theme" id="{62F939B6-93AF-4DB8-9C6B-D6C7DFDC589F}" vid="{4A3C46E8-61CC-4603-A589-7422A47A8E4A}"/>
+      <thm15:themeFamily xmlns="" xmlns:thm15="http://schemas.microsoft.com/office/thememl/2012/main" name="Office Theme" id="{62F939B6-93AF-4DB8-9C6B-D6C7DFDC589F}" vid="{4A3C46E8-61CC-4603-A589-7422A47A8E4A}"/>
     </a:ext>
   </a:extLst>
 </a:theme>
